--- a/Mod_01_/01_03_DS/Lec_01_03_git.pptx
+++ b/Mod_01_/01_03_DS/Lec_01_03_git.pptx
@@ -2429,7 +2429,7 @@
               <a:pPr>
                 <a:defRPr/>
               </a:pPr>
-              <a:t>01.06.2024</a:t>
+              <a:t>29.06.2024</a:t>
             </a:fld>
             <a:endParaRPr lang="uk-UA">
               <a:solidFill>
@@ -2647,7 +2647,7 @@
               <a:pPr>
                 <a:defRPr/>
               </a:pPr>
-              <a:t>01.06.2024</a:t>
+              <a:t>29.06.2024</a:t>
             </a:fld>
             <a:endParaRPr lang="uk-UA">
               <a:solidFill>
@@ -2875,7 +2875,7 @@
               <a:pPr>
                 <a:defRPr/>
               </a:pPr>
-              <a:t>01.06.2024</a:t>
+              <a:t>29.06.2024</a:t>
             </a:fld>
             <a:endParaRPr lang="uk-UA">
               <a:solidFill>
@@ -3177,7 +3177,7 @@
               <a:pPr>
                 <a:defRPr/>
               </a:pPr>
-              <a:t>01.06.2024</a:t>
+              <a:t>29.06.2024</a:t>
             </a:fld>
             <a:endParaRPr lang="uk-UA">
               <a:solidFill>
@@ -3472,7 +3472,7 @@
               <a:pPr>
                 <a:defRPr/>
               </a:pPr>
-              <a:t>01.06.2024</a:t>
+              <a:t>29.06.2024</a:t>
             </a:fld>
             <a:endParaRPr lang="uk-UA">
               <a:solidFill>
@@ -3757,7 +3757,7 @@
               <a:pPr>
                 <a:defRPr/>
               </a:pPr>
-              <a:t>01.06.2024</a:t>
+              <a:t>29.06.2024</a:t>
             </a:fld>
             <a:endParaRPr lang="uk-UA">
               <a:solidFill>
@@ -4189,7 +4189,7 @@
               <a:pPr>
                 <a:defRPr/>
               </a:pPr>
-              <a:t>01.06.2024</a:t>
+              <a:t>29.06.2024</a:t>
             </a:fld>
             <a:endParaRPr lang="uk-UA">
               <a:solidFill>
@@ -4350,7 +4350,7 @@
               <a:pPr>
                 <a:defRPr/>
               </a:pPr>
-              <a:t>01.06.2024</a:t>
+              <a:t>29.06.2024</a:t>
             </a:fld>
             <a:endParaRPr lang="uk-UA">
               <a:solidFill>
@@ -4483,7 +4483,7 @@
               <a:pPr>
                 <a:defRPr/>
               </a:pPr>
-              <a:t>01.06.2024</a:t>
+              <a:t>29.06.2024</a:t>
             </a:fld>
             <a:endParaRPr lang="uk-UA">
               <a:solidFill>
@@ -4814,7 +4814,7 @@
               <a:pPr>
                 <a:defRPr/>
               </a:pPr>
-              <a:t>01.06.2024</a:t>
+              <a:t>29.06.2024</a:t>
             </a:fld>
             <a:endParaRPr lang="uk-UA">
               <a:solidFill>
@@ -5122,7 +5122,7 @@
               <a:pPr>
                 <a:defRPr/>
               </a:pPr>
-              <a:t>01.06.2024</a:t>
+              <a:t>29.06.2024</a:t>
             </a:fld>
             <a:endParaRPr lang="uk-UA">
               <a:solidFill>
@@ -5401,7 +5401,7 @@
               <a:pPr>
                 <a:defRPr/>
               </a:pPr>
-              <a:t>01.06.2024</a:t>
+              <a:t>29.06.2024</a:t>
             </a:fld>
             <a:endParaRPr lang="uk-UA">
               <a:solidFill>
@@ -5937,7 +5937,7 @@
                 </a:solidFill>
                 <a:latin typeface="Times New Roman" panose="02020603050405020304" pitchFamily="18" charset="0"/>
               </a:rPr>
-              <a:t>Частина </a:t>
+              <a:t>Модуль </a:t>
             </a:r>
             <a:r>
               <a:rPr lang="en-US" altLang="ru-RU" sz="3200" b="1" dirty="0">
@@ -11959,6 +11959,213 @@
           </a:p>
         </p:txBody>
       </p:sp>
+      <p:sp>
+        <p:nvSpPr>
+          <p:cNvPr id="2" name="TextBox 1">
+            <a:extLst>
+              <a:ext uri="{FF2B5EF4-FFF2-40B4-BE49-F238E27FC236}">
+                <a16:creationId xmlns:a16="http://schemas.microsoft.com/office/drawing/2014/main" id="{0F849AC8-5BF3-AC54-534E-E91C392C9E86}"/>
+              </a:ext>
+            </a:extLst>
+          </p:cNvPr>
+          <p:cNvSpPr txBox="1">
+            <a:spLocks noChangeArrowheads="1"/>
+          </p:cNvSpPr>
+          <p:nvPr/>
+        </p:nvSpPr>
+        <p:spPr bwMode="auto">
+          <a:xfrm>
+            <a:off x="250825" y="6308725"/>
+            <a:ext cx="646331" cy="369332"/>
+          </a:xfrm>
+          <a:prstGeom prst="rect">
+            <a:avLst/>
+          </a:prstGeom>
+          <a:noFill/>
+          <a:ln>
+            <a:noFill/>
+          </a:ln>
+          <a:extLst>
+            <a:ext uri="{909E8E84-426E-40DD-AFC4-6F175D3DCCD1}">
+              <a14:hiddenFill xmlns:a14="http://schemas.microsoft.com/office/drawing/2010/main">
+                <a:solidFill>
+                  <a:srgbClr val="FFFFFF"/>
+                </a:solidFill>
+              </a14:hiddenFill>
+            </a:ext>
+            <a:ext uri="{91240B29-F687-4F45-9708-019B960494DF}">
+              <a14:hiddenLine xmlns:a14="http://schemas.microsoft.com/office/drawing/2010/main" w="9525">
+                <a:solidFill>
+                  <a:srgbClr val="000000"/>
+                </a:solidFill>
+                <a:miter lim="800000"/>
+                <a:headEnd/>
+                <a:tailEnd/>
+              </a14:hiddenLine>
+            </a:ext>
+          </a:extLst>
+        </p:spPr>
+        <p:txBody>
+          <a:bodyPr wrap="none">
+            <a:spAutoFit/>
+          </a:bodyPr>
+          <a:lstStyle>
+            <a:lvl1pPr>
+              <a:spcBef>
+                <a:spcPct val="20000"/>
+              </a:spcBef>
+              <a:buChar char="•"/>
+              <a:defRPr sz="3200">
+                <a:solidFill>
+                  <a:schemeClr val="tx1"/>
+                </a:solidFill>
+                <a:latin typeface="Arial" panose="020B0604020202020204" pitchFamily="34" charset="0"/>
+              </a:defRPr>
+            </a:lvl1pPr>
+            <a:lvl2pPr marL="742950" indent="-285750">
+              <a:spcBef>
+                <a:spcPct val="20000"/>
+              </a:spcBef>
+              <a:buChar char="–"/>
+              <a:defRPr sz="2800">
+                <a:solidFill>
+                  <a:schemeClr val="tx1"/>
+                </a:solidFill>
+                <a:latin typeface="Arial" panose="020B0604020202020204" pitchFamily="34" charset="0"/>
+              </a:defRPr>
+            </a:lvl2pPr>
+            <a:lvl3pPr marL="1143000" indent="-228600">
+              <a:spcBef>
+                <a:spcPct val="20000"/>
+              </a:spcBef>
+              <a:buChar char="•"/>
+              <a:defRPr sz="2400">
+                <a:solidFill>
+                  <a:schemeClr val="tx1"/>
+                </a:solidFill>
+                <a:latin typeface="Arial" panose="020B0604020202020204" pitchFamily="34" charset="0"/>
+              </a:defRPr>
+            </a:lvl3pPr>
+            <a:lvl4pPr marL="1600200" indent="-228600">
+              <a:spcBef>
+                <a:spcPct val="20000"/>
+              </a:spcBef>
+              <a:buChar char="–"/>
+              <a:defRPr sz="2000">
+                <a:solidFill>
+                  <a:schemeClr val="tx1"/>
+                </a:solidFill>
+                <a:latin typeface="Arial" panose="020B0604020202020204" pitchFamily="34" charset="0"/>
+              </a:defRPr>
+            </a:lvl4pPr>
+            <a:lvl5pPr marL="2057400" indent="-228600">
+              <a:spcBef>
+                <a:spcPct val="20000"/>
+              </a:spcBef>
+              <a:buChar char="»"/>
+              <a:defRPr sz="2000">
+                <a:solidFill>
+                  <a:schemeClr val="tx1"/>
+                </a:solidFill>
+                <a:latin typeface="Arial" panose="020B0604020202020204" pitchFamily="34" charset="0"/>
+              </a:defRPr>
+            </a:lvl5pPr>
+            <a:lvl6pPr marL="2514600" indent="-228600" eaLnBrk="0" fontAlgn="base" hangingPunct="0">
+              <a:spcBef>
+                <a:spcPct val="20000"/>
+              </a:spcBef>
+              <a:spcAft>
+                <a:spcPct val="0"/>
+              </a:spcAft>
+              <a:buChar char="»"/>
+              <a:defRPr sz="2000">
+                <a:solidFill>
+                  <a:schemeClr val="tx1"/>
+                </a:solidFill>
+                <a:latin typeface="Arial" panose="020B0604020202020204" pitchFamily="34" charset="0"/>
+              </a:defRPr>
+            </a:lvl6pPr>
+            <a:lvl7pPr marL="2971800" indent="-228600" eaLnBrk="0" fontAlgn="base" hangingPunct="0">
+              <a:spcBef>
+                <a:spcPct val="20000"/>
+              </a:spcBef>
+              <a:spcAft>
+                <a:spcPct val="0"/>
+              </a:spcAft>
+              <a:buChar char="»"/>
+              <a:defRPr sz="2000">
+                <a:solidFill>
+                  <a:schemeClr val="tx1"/>
+                </a:solidFill>
+                <a:latin typeface="Arial" panose="020B0604020202020204" pitchFamily="34" charset="0"/>
+              </a:defRPr>
+            </a:lvl7pPr>
+            <a:lvl8pPr marL="3429000" indent="-228600" eaLnBrk="0" fontAlgn="base" hangingPunct="0">
+              <a:spcBef>
+                <a:spcPct val="20000"/>
+              </a:spcBef>
+              <a:spcAft>
+                <a:spcPct val="0"/>
+              </a:spcAft>
+              <a:buChar char="»"/>
+              <a:defRPr sz="2000">
+                <a:solidFill>
+                  <a:schemeClr val="tx1"/>
+                </a:solidFill>
+                <a:latin typeface="Arial" panose="020B0604020202020204" pitchFamily="34" charset="0"/>
+              </a:defRPr>
+            </a:lvl8pPr>
+            <a:lvl9pPr marL="3886200" indent="-228600" eaLnBrk="0" fontAlgn="base" hangingPunct="0">
+              <a:spcBef>
+                <a:spcPct val="20000"/>
+              </a:spcBef>
+              <a:spcAft>
+                <a:spcPct val="0"/>
+              </a:spcAft>
+              <a:buChar char="»"/>
+              <a:defRPr sz="2000">
+                <a:solidFill>
+                  <a:schemeClr val="tx1"/>
+                </a:solidFill>
+                <a:latin typeface="Arial" panose="020B0604020202020204" pitchFamily="34" charset="0"/>
+              </a:defRPr>
+            </a:lvl9pPr>
+          </a:lstStyle>
+          <a:p>
+            <a:pPr eaLnBrk="1" hangingPunct="1">
+              <a:spcBef>
+                <a:spcPct val="0"/>
+              </a:spcBef>
+              <a:buFontTx/>
+              <a:buNone/>
+            </a:pPr>
+            <a:r>
+              <a:rPr lang="en-US" altLang="ru-RU" sz="1800" b="1" dirty="0">
+                <a:solidFill>
+                  <a:srgbClr val="002060"/>
+                </a:solidFill>
+                <a:latin typeface="Times New Roman" panose="02020603050405020304" pitchFamily="18" charset="0"/>
+              </a:rPr>
+              <a:t>202</a:t>
+            </a:r>
+            <a:r>
+              <a:rPr lang="uk-UA" altLang="ru-RU" sz="1800" b="1" dirty="0">
+                <a:solidFill>
+                  <a:srgbClr val="002060"/>
+                </a:solidFill>
+                <a:latin typeface="Times New Roman" panose="02020603050405020304" pitchFamily="18" charset="0"/>
+              </a:rPr>
+              <a:t>4</a:t>
+            </a:r>
+            <a:endParaRPr lang="ru-RU" altLang="ru-RU" sz="1800" b="1" dirty="0">
+              <a:solidFill>
+                <a:srgbClr val="002060"/>
+              </a:solidFill>
+              <a:latin typeface="Times New Roman" panose="02020603050405020304" pitchFamily="18" charset="0"/>
+            </a:endParaRPr>
+          </a:p>
+        </p:txBody>
+      </p:sp>
     </p:spTree>
   </p:cSld>
   <p:clrMapOvr>
@@ -13047,7 +13254,7 @@
                 </a:solidFill>
                 <a:latin typeface="Book Antiqua" panose="02040602050305030304" pitchFamily="18" charset="0"/>
               </a:rPr>
-              <a:t>Частина </a:t>
+              <a:t>Модуль </a:t>
             </a:r>
             <a:r>
               <a:rPr lang="en-US" altLang="ru-RU" sz="4000" b="1" dirty="0">
